--- a/chapter3/chapter3.pptx
+++ b/chapter3/chapter3.pptx
@@ -9,6 +9,7 @@
     <p:sldId id="257" r:id="rId3"/>
     <p:sldId id="258" r:id="rId4"/>
     <p:sldId id="259" r:id="rId5"/>
+    <p:sldId id="260" r:id="rId6"/>
   </p:sldIdLst>
   <p:sldSz cx="12192000" cy="6858000"/>
   <p:notesSz cx="6858000" cy="9144000"/>
@@ -246,7 +247,7 @@
           <a:p>
             <a:fld id="{80A170CC-6219-4B71-B2EB-A96452ACF74F}" type="datetimeFigureOut">
               <a:rPr lang="zh-CN" altLang="en-US" smtClean="0"/>
-              <a:t>2018/6/24</a:t>
+              <a:t>2018/6/25</a:t>
             </a:fld>
             <a:endParaRPr lang="zh-CN" altLang="en-US"/>
           </a:p>
@@ -416,7 +417,7 @@
           <a:p>
             <a:fld id="{80A170CC-6219-4B71-B2EB-A96452ACF74F}" type="datetimeFigureOut">
               <a:rPr lang="zh-CN" altLang="en-US" smtClean="0"/>
-              <a:t>2018/6/24</a:t>
+              <a:t>2018/6/25</a:t>
             </a:fld>
             <a:endParaRPr lang="zh-CN" altLang="en-US"/>
           </a:p>
@@ -596,7 +597,7 @@
           <a:p>
             <a:fld id="{80A170CC-6219-4B71-B2EB-A96452ACF74F}" type="datetimeFigureOut">
               <a:rPr lang="zh-CN" altLang="en-US" smtClean="0"/>
-              <a:t>2018/6/24</a:t>
+              <a:t>2018/6/25</a:t>
             </a:fld>
             <a:endParaRPr lang="zh-CN" altLang="en-US"/>
           </a:p>
@@ -766,7 +767,7 @@
           <a:p>
             <a:fld id="{80A170CC-6219-4B71-B2EB-A96452ACF74F}" type="datetimeFigureOut">
               <a:rPr lang="zh-CN" altLang="en-US" smtClean="0"/>
-              <a:t>2018/6/24</a:t>
+              <a:t>2018/6/25</a:t>
             </a:fld>
             <a:endParaRPr lang="zh-CN" altLang="en-US"/>
           </a:p>
@@ -1012,7 +1013,7 @@
           <a:p>
             <a:fld id="{80A170CC-6219-4B71-B2EB-A96452ACF74F}" type="datetimeFigureOut">
               <a:rPr lang="zh-CN" altLang="en-US" smtClean="0"/>
-              <a:t>2018/6/24</a:t>
+              <a:t>2018/6/25</a:t>
             </a:fld>
             <a:endParaRPr lang="zh-CN" altLang="en-US"/>
           </a:p>
@@ -1244,7 +1245,7 @@
           <a:p>
             <a:fld id="{80A170CC-6219-4B71-B2EB-A96452ACF74F}" type="datetimeFigureOut">
               <a:rPr lang="zh-CN" altLang="en-US" smtClean="0"/>
-              <a:t>2018/6/24</a:t>
+              <a:t>2018/6/25</a:t>
             </a:fld>
             <a:endParaRPr lang="zh-CN" altLang="en-US"/>
           </a:p>
@@ -1611,7 +1612,7 @@
           <a:p>
             <a:fld id="{80A170CC-6219-4B71-B2EB-A96452ACF74F}" type="datetimeFigureOut">
               <a:rPr lang="zh-CN" altLang="en-US" smtClean="0"/>
-              <a:t>2018/6/24</a:t>
+              <a:t>2018/6/25</a:t>
             </a:fld>
             <a:endParaRPr lang="zh-CN" altLang="en-US"/>
           </a:p>
@@ -1729,7 +1730,7 @@
           <a:p>
             <a:fld id="{80A170CC-6219-4B71-B2EB-A96452ACF74F}" type="datetimeFigureOut">
               <a:rPr lang="zh-CN" altLang="en-US" smtClean="0"/>
-              <a:t>2018/6/24</a:t>
+              <a:t>2018/6/25</a:t>
             </a:fld>
             <a:endParaRPr lang="zh-CN" altLang="en-US"/>
           </a:p>
@@ -1824,7 +1825,7 @@
           <a:p>
             <a:fld id="{80A170CC-6219-4B71-B2EB-A96452ACF74F}" type="datetimeFigureOut">
               <a:rPr lang="zh-CN" altLang="en-US" smtClean="0"/>
-              <a:t>2018/6/24</a:t>
+              <a:t>2018/6/25</a:t>
             </a:fld>
             <a:endParaRPr lang="zh-CN" altLang="en-US"/>
           </a:p>
@@ -2101,7 +2102,7 @@
           <a:p>
             <a:fld id="{80A170CC-6219-4B71-B2EB-A96452ACF74F}" type="datetimeFigureOut">
               <a:rPr lang="zh-CN" altLang="en-US" smtClean="0"/>
-              <a:t>2018/6/24</a:t>
+              <a:t>2018/6/25</a:t>
             </a:fld>
             <a:endParaRPr lang="zh-CN" altLang="en-US"/>
           </a:p>
@@ -2354,7 +2355,7 @@
           <a:p>
             <a:fld id="{80A170CC-6219-4B71-B2EB-A96452ACF74F}" type="datetimeFigureOut">
               <a:rPr lang="zh-CN" altLang="en-US" smtClean="0"/>
-              <a:t>2018/6/24</a:t>
+              <a:t>2018/6/25</a:t>
             </a:fld>
             <a:endParaRPr lang="zh-CN" altLang="en-US"/>
           </a:p>
@@ -2567,7 +2568,7 @@
           <a:p>
             <a:fld id="{80A170CC-6219-4B71-B2EB-A96452ACF74F}" type="datetimeFigureOut">
               <a:rPr lang="zh-CN" altLang="en-US" smtClean="0"/>
-              <a:t>2018/6/24</a:t>
+              <a:t>2018/6/25</a:t>
             </a:fld>
             <a:endParaRPr lang="zh-CN" altLang="en-US"/>
           </a:p>
@@ -3587,7 +3588,7 @@
           <a:graphicData uri="http://schemas.openxmlformats.org/presentationml/2006/ole">
             <mc:AlternateContent xmlns:mc="http://schemas.openxmlformats.org/markup-compatibility/2006">
               <mc:Choice xmlns:v="urn:schemas-microsoft-com:vml" Requires="v">
-                <p:oleObj spid="_x0000_s1027" name="Equation" r:id="rId3" imgW="228600" imgH="177480" progId="Equation.DSMT4">
+                <p:oleObj spid="_x0000_s1029" name="Equation" r:id="rId3" imgW="228600" imgH="177480" progId="Equation.DSMT4">
                   <p:embed/>
                 </p:oleObj>
               </mc:Choice>
@@ -4500,6 +4501,635 @@
     <p:extLst>
       <p:ext uri="{BB962C8B-B14F-4D97-AF65-F5344CB8AC3E}">
         <p14:creationId xmlns:p14="http://schemas.microsoft.com/office/powerpoint/2010/main" val="1322041972"/>
+      </p:ext>
+    </p:extLst>
+  </p:cSld>
+  <p:clrMapOvr>
+    <a:masterClrMapping/>
+  </p:clrMapOvr>
+</p:sld>
+</file>
+
+<file path=ppt/slides/slide5.xml><?xml version="1.0" encoding="utf-8"?>
+<p:sld xmlns:a="http://schemas.openxmlformats.org/drawingml/2006/main" xmlns:r="http://schemas.openxmlformats.org/officeDocument/2006/relationships" xmlns:p="http://schemas.openxmlformats.org/presentationml/2006/main">
+  <p:cSld>
+    <p:spTree>
+      <p:nvGrpSpPr>
+        <p:cNvPr id="1" name=""/>
+        <p:cNvGrpSpPr/>
+        <p:nvPr/>
+      </p:nvGrpSpPr>
+      <p:grpSpPr>
+        <a:xfrm>
+          <a:off x="0" y="0"/>
+          <a:ext cx="0" cy="0"/>
+          <a:chOff x="0" y="0"/>
+          <a:chExt cx="0" cy="0"/>
+        </a:xfrm>
+      </p:grpSpPr>
+      <p:cxnSp>
+        <p:nvCxnSpPr>
+          <p:cNvPr id="4" name="直接连接符 3"/>
+          <p:cNvCxnSpPr/>
+          <p:nvPr/>
+        </p:nvCxnSpPr>
+        <p:spPr>
+          <a:xfrm flipV="1">
+            <a:off x="3424687" y="4157932"/>
+            <a:ext cx="3045124" cy="8626"/>
+          </a:xfrm>
+          <a:prstGeom prst="line">
+            <a:avLst/>
+          </a:prstGeom>
+        </p:spPr>
+        <p:style>
+          <a:lnRef idx="1">
+            <a:schemeClr val="accent1"/>
+          </a:lnRef>
+          <a:fillRef idx="0">
+            <a:schemeClr val="accent1"/>
+          </a:fillRef>
+          <a:effectRef idx="0">
+            <a:schemeClr val="accent1"/>
+          </a:effectRef>
+          <a:fontRef idx="minor">
+            <a:schemeClr val="tx1"/>
+          </a:fontRef>
+        </p:style>
+      </p:cxnSp>
+      <p:cxnSp>
+        <p:nvCxnSpPr>
+          <p:cNvPr id="6" name="直接箭头连接符 5"/>
+          <p:cNvCxnSpPr/>
+          <p:nvPr/>
+        </p:nvCxnSpPr>
+        <p:spPr>
+          <a:xfrm flipV="1">
+            <a:off x="4934309" y="1224951"/>
+            <a:ext cx="16175" cy="2932982"/>
+          </a:xfrm>
+          <a:prstGeom prst="straightConnector1">
+            <a:avLst/>
+          </a:prstGeom>
+          <a:ln>
+            <a:solidFill>
+              <a:schemeClr val="tx1"/>
+            </a:solidFill>
+            <a:tailEnd type="triangle"/>
+          </a:ln>
+        </p:spPr>
+        <p:style>
+          <a:lnRef idx="1">
+            <a:schemeClr val="accent1"/>
+          </a:lnRef>
+          <a:fillRef idx="0">
+            <a:schemeClr val="accent1"/>
+          </a:fillRef>
+          <a:effectRef idx="0">
+            <a:schemeClr val="accent1"/>
+          </a:effectRef>
+          <a:fontRef idx="minor">
+            <a:schemeClr val="tx1"/>
+          </a:fontRef>
+        </p:style>
+      </p:cxnSp>
+      <p:sp>
+        <p:nvSpPr>
+          <p:cNvPr id="7" name="文本框 6"/>
+          <p:cNvSpPr txBox="1"/>
+          <p:nvPr/>
+        </p:nvSpPr>
+        <p:spPr>
+          <a:xfrm>
+            <a:off x="4812640" y="910585"/>
+            <a:ext cx="278201" cy="369332"/>
+          </a:xfrm>
+          <a:prstGeom prst="rect">
+            <a:avLst/>
+          </a:prstGeom>
+          <a:noFill/>
+        </p:spPr>
+        <p:txBody>
+          <a:bodyPr wrap="square" rtlCol="0">
+            <a:spAutoFit/>
+          </a:bodyPr>
+          <a:lstStyle/>
+          <a:p>
+            <a:r>
+              <a:rPr lang="en-US" altLang="zh-CN" dirty="0" smtClean="0">
+                <a:latin typeface="Times New Roman" panose="02020603050405020304" pitchFamily="18" charset="0"/>
+                <a:cs typeface="Times New Roman" panose="02020603050405020304" pitchFamily="18" charset="0"/>
+              </a:rPr>
+              <a:t>z</a:t>
+            </a:r>
+            <a:endParaRPr lang="zh-CN" altLang="en-US" dirty="0">
+              <a:latin typeface="Times New Roman" panose="02020603050405020304" pitchFamily="18" charset="0"/>
+              <a:cs typeface="Times New Roman" panose="02020603050405020304" pitchFamily="18" charset="0"/>
+            </a:endParaRPr>
+          </a:p>
+        </p:txBody>
+      </p:sp>
+      <p:sp>
+        <p:nvSpPr>
+          <p:cNvPr id="8" name="文本框 7"/>
+          <p:cNvSpPr txBox="1"/>
+          <p:nvPr/>
+        </p:nvSpPr>
+        <p:spPr>
+          <a:xfrm>
+            <a:off x="5169409" y="4752487"/>
+            <a:ext cx="722434" cy="253916"/>
+          </a:xfrm>
+          <a:prstGeom prst="rect">
+            <a:avLst/>
+          </a:prstGeom>
+          <a:noFill/>
+        </p:spPr>
+        <p:txBody>
+          <a:bodyPr wrap="square" rtlCol="0">
+            <a:spAutoFit/>
+          </a:bodyPr>
+          <a:lstStyle/>
+          <a:p>
+            <a:r>
+              <a:rPr lang="zh-CN" altLang="en-US" sz="1050" dirty="0" smtClean="0"/>
+              <a:t>反射阵列</a:t>
+            </a:r>
+            <a:endParaRPr lang="zh-CN" altLang="en-US" sz="1050" dirty="0"/>
+          </a:p>
+        </p:txBody>
+      </p:sp>
+      <p:sp>
+        <p:nvSpPr>
+          <p:cNvPr id="9" name="文本框 8"/>
+          <p:cNvSpPr txBox="1"/>
+          <p:nvPr/>
+        </p:nvSpPr>
+        <p:spPr>
+          <a:xfrm>
+            <a:off x="6409459" y="1824737"/>
+            <a:ext cx="1334937" cy="253916"/>
+          </a:xfrm>
+          <a:prstGeom prst="rect">
+            <a:avLst/>
+          </a:prstGeom>
+          <a:noFill/>
+        </p:spPr>
+        <p:txBody>
+          <a:bodyPr wrap="square" rtlCol="0">
+            <a:spAutoFit/>
+          </a:bodyPr>
+          <a:lstStyle/>
+          <a:p>
+            <a:r>
+              <a:rPr lang="zh-CN" altLang="en-US" sz="1050" dirty="0"/>
+              <a:t>馈源</a:t>
+            </a:r>
+            <a:r>
+              <a:rPr lang="zh-CN" altLang="en-US" sz="1050" dirty="0" smtClean="0"/>
+              <a:t>阵列</a:t>
+            </a:r>
+            <a:endParaRPr lang="zh-CN" altLang="en-US" sz="1050" dirty="0"/>
+          </a:p>
+        </p:txBody>
+      </p:sp>
+      <p:cxnSp>
+        <p:nvCxnSpPr>
+          <p:cNvPr id="10" name="曲线连接符 9"/>
+          <p:cNvCxnSpPr/>
+          <p:nvPr/>
+        </p:nvCxnSpPr>
+        <p:spPr>
+          <a:xfrm flipV="1">
+            <a:off x="5992663" y="1920922"/>
+            <a:ext cx="441026" cy="149106"/>
+          </a:xfrm>
+          <a:prstGeom prst="curvedConnector3">
+            <a:avLst/>
+          </a:prstGeom>
+          <a:ln>
+            <a:solidFill>
+              <a:schemeClr val="tx1"/>
+            </a:solidFill>
+            <a:tailEnd type="triangle"/>
+          </a:ln>
+        </p:spPr>
+        <p:style>
+          <a:lnRef idx="1">
+            <a:schemeClr val="accent1"/>
+          </a:lnRef>
+          <a:fillRef idx="0">
+            <a:schemeClr val="accent1"/>
+          </a:fillRef>
+          <a:effectRef idx="0">
+            <a:schemeClr val="accent1"/>
+          </a:effectRef>
+          <a:fontRef idx="minor">
+            <a:schemeClr val="tx1"/>
+          </a:fontRef>
+        </p:style>
+      </p:cxnSp>
+      <p:sp>
+        <p:nvSpPr>
+          <p:cNvPr id="11" name="弧形 10"/>
+          <p:cNvSpPr/>
+          <p:nvPr/>
+        </p:nvSpPr>
+        <p:spPr>
+          <a:xfrm rot="19686133">
+            <a:off x="4826659" y="3249841"/>
+            <a:ext cx="495255" cy="509542"/>
+          </a:xfrm>
+          <a:prstGeom prst="arc">
+            <a:avLst/>
+          </a:prstGeom>
+        </p:spPr>
+        <p:style>
+          <a:lnRef idx="1">
+            <a:schemeClr val="accent1"/>
+          </a:lnRef>
+          <a:fillRef idx="0">
+            <a:schemeClr val="accent1"/>
+          </a:fillRef>
+          <a:effectRef idx="0">
+            <a:schemeClr val="accent1"/>
+          </a:effectRef>
+          <a:fontRef idx="minor">
+            <a:schemeClr val="tx1"/>
+          </a:fontRef>
+        </p:style>
+        <p:txBody>
+          <a:bodyPr rtlCol="0" anchor="ctr"/>
+          <a:lstStyle/>
+          <a:p>
+            <a:pPr algn="ctr"/>
+            <a:endParaRPr lang="zh-CN" altLang="en-US"/>
+          </a:p>
+        </p:txBody>
+      </p:sp>
+      <p:sp>
+        <p:nvSpPr>
+          <p:cNvPr id="12" name="文本框 11"/>
+          <p:cNvSpPr txBox="1"/>
+          <p:nvPr/>
+        </p:nvSpPr>
+        <p:spPr>
+          <a:xfrm>
+            <a:off x="4869407" y="3268115"/>
+            <a:ext cx="686004" cy="253916"/>
+          </a:xfrm>
+          <a:prstGeom prst="rect">
+            <a:avLst/>
+          </a:prstGeom>
+          <a:noFill/>
+        </p:spPr>
+        <p:txBody>
+          <a:bodyPr wrap="square" rtlCol="0">
+            <a:spAutoFit/>
+          </a:bodyPr>
+          <a:lstStyle/>
+          <a:p>
+            <a:r>
+              <a:rPr lang="en-US" altLang="zh-CN" sz="1050" dirty="0" smtClean="0"/>
+              <a:t>25</a:t>
+            </a:r>
+            <a:r>
+              <a:rPr lang="zh-CN" altLang="en-US" sz="1050" dirty="0" smtClean="0"/>
+              <a:t>度</a:t>
+            </a:r>
+            <a:endParaRPr lang="zh-CN" altLang="en-US" sz="1050" dirty="0"/>
+          </a:p>
+        </p:txBody>
+      </p:sp>
+      <p:cxnSp>
+        <p:nvCxnSpPr>
+          <p:cNvPr id="13" name="直接连接符 12"/>
+          <p:cNvCxnSpPr/>
+          <p:nvPr/>
+        </p:nvCxnSpPr>
+        <p:spPr>
+          <a:xfrm>
+            <a:off x="5419143" y="1893422"/>
+            <a:ext cx="852646" cy="347007"/>
+          </a:xfrm>
+          <a:prstGeom prst="line">
+            <a:avLst/>
+          </a:prstGeom>
+          <a:ln>
+            <a:solidFill>
+              <a:srgbClr val="FF0000"/>
+            </a:solidFill>
+          </a:ln>
+        </p:spPr>
+        <p:style>
+          <a:lnRef idx="1">
+            <a:schemeClr val="accent1"/>
+          </a:lnRef>
+          <a:fillRef idx="0">
+            <a:schemeClr val="accent1"/>
+          </a:fillRef>
+          <a:effectRef idx="0">
+            <a:schemeClr val="accent1"/>
+          </a:effectRef>
+          <a:fontRef idx="minor">
+            <a:schemeClr val="tx1"/>
+          </a:fontRef>
+        </p:style>
+      </p:cxnSp>
+      <p:sp>
+        <p:nvSpPr>
+          <p:cNvPr id="16" name="文本框 15"/>
+          <p:cNvSpPr txBox="1"/>
+          <p:nvPr/>
+        </p:nvSpPr>
+        <p:spPr>
+          <a:xfrm>
+            <a:off x="5084866" y="3807281"/>
+            <a:ext cx="242821" cy="369332"/>
+          </a:xfrm>
+          <a:prstGeom prst="rect">
+            <a:avLst/>
+          </a:prstGeom>
+          <a:noFill/>
+        </p:spPr>
+        <p:txBody>
+          <a:bodyPr wrap="square" rtlCol="0">
+            <a:spAutoFit/>
+          </a:bodyPr>
+          <a:lstStyle/>
+          <a:p>
+            <a:r>
+              <a:rPr lang="en-US" altLang="zh-CN" dirty="0" smtClean="0"/>
+              <a:t>O</a:t>
+            </a:r>
+            <a:endParaRPr lang="zh-CN" altLang="en-US" dirty="0"/>
+          </a:p>
+        </p:txBody>
+      </p:sp>
+      <p:sp>
+        <p:nvSpPr>
+          <p:cNvPr id="17" name="文本框 16"/>
+          <p:cNvSpPr txBox="1"/>
+          <p:nvPr/>
+        </p:nvSpPr>
+        <p:spPr>
+          <a:xfrm>
+            <a:off x="3067865" y="4046585"/>
+            <a:ext cx="242821" cy="369332"/>
+          </a:xfrm>
+          <a:prstGeom prst="rect">
+            <a:avLst/>
+          </a:prstGeom>
+          <a:noFill/>
+        </p:spPr>
+        <p:txBody>
+          <a:bodyPr wrap="square" rtlCol="0">
+            <a:spAutoFit/>
+          </a:bodyPr>
+          <a:lstStyle/>
+          <a:p>
+            <a:r>
+              <a:rPr lang="en-US" altLang="zh-CN" dirty="0" smtClean="0"/>
+              <a:t>A</a:t>
+            </a:r>
+            <a:endParaRPr lang="zh-CN" altLang="en-US" dirty="0"/>
+          </a:p>
+        </p:txBody>
+      </p:sp>
+      <p:sp>
+        <p:nvSpPr>
+          <p:cNvPr id="18" name="文本框 17"/>
+          <p:cNvSpPr txBox="1"/>
+          <p:nvPr/>
+        </p:nvSpPr>
+        <p:spPr>
+          <a:xfrm>
+            <a:off x="6481843" y="3968223"/>
+            <a:ext cx="242821" cy="369332"/>
+          </a:xfrm>
+          <a:prstGeom prst="rect">
+            <a:avLst/>
+          </a:prstGeom>
+          <a:noFill/>
+        </p:spPr>
+        <p:txBody>
+          <a:bodyPr wrap="square" rtlCol="0">
+            <a:spAutoFit/>
+          </a:bodyPr>
+          <a:lstStyle/>
+          <a:p>
+            <a:r>
+              <a:rPr lang="en-US" altLang="zh-CN" dirty="0"/>
+              <a:t>B</a:t>
+            </a:r>
+            <a:endParaRPr lang="zh-CN" altLang="en-US" dirty="0"/>
+          </a:p>
+        </p:txBody>
+      </p:sp>
+      <p:sp>
+        <p:nvSpPr>
+          <p:cNvPr id="19" name="文本框 18"/>
+          <p:cNvSpPr txBox="1"/>
+          <p:nvPr/>
+        </p:nvSpPr>
+        <p:spPr>
+          <a:xfrm>
+            <a:off x="5462835" y="1653431"/>
+            <a:ext cx="242821" cy="369332"/>
+          </a:xfrm>
+          <a:prstGeom prst="rect">
+            <a:avLst/>
+          </a:prstGeom>
+          <a:noFill/>
+        </p:spPr>
+        <p:txBody>
+          <a:bodyPr wrap="square" rtlCol="0">
+            <a:spAutoFit/>
+          </a:bodyPr>
+          <a:lstStyle/>
+          <a:p>
+            <a:r>
+              <a:rPr lang="en-US" altLang="zh-CN" dirty="0"/>
+              <a:t>C</a:t>
+            </a:r>
+            <a:endParaRPr lang="zh-CN" altLang="en-US" dirty="0"/>
+          </a:p>
+        </p:txBody>
+      </p:sp>
+      <p:sp>
+        <p:nvSpPr>
+          <p:cNvPr id="20" name="文本框 19"/>
+          <p:cNvSpPr txBox="1"/>
+          <p:nvPr/>
+        </p:nvSpPr>
+        <p:spPr>
+          <a:xfrm>
+            <a:off x="6230225" y="2067241"/>
+            <a:ext cx="242821" cy="369332"/>
+          </a:xfrm>
+          <a:prstGeom prst="rect">
+            <a:avLst/>
+          </a:prstGeom>
+          <a:noFill/>
+        </p:spPr>
+        <p:txBody>
+          <a:bodyPr wrap="square" rtlCol="0">
+            <a:spAutoFit/>
+          </a:bodyPr>
+          <a:lstStyle/>
+          <a:p>
+            <a:r>
+              <a:rPr lang="en-US" altLang="zh-CN" dirty="0" smtClean="0"/>
+              <a:t>D</a:t>
+            </a:r>
+            <a:endParaRPr lang="zh-CN" altLang="en-US" dirty="0"/>
+          </a:p>
+        </p:txBody>
+      </p:sp>
+      <p:cxnSp>
+        <p:nvCxnSpPr>
+          <p:cNvPr id="26" name="曲线连接符 25"/>
+          <p:cNvCxnSpPr>
+            <a:stCxn id="16" idx="2"/>
+            <a:endCxn id="8" idx="0"/>
+          </p:cNvCxnSpPr>
+          <p:nvPr/>
+        </p:nvCxnSpPr>
+        <p:spPr>
+          <a:xfrm rot="16200000" flipH="1">
+            <a:off x="5080514" y="4302375"/>
+            <a:ext cx="575874" cy="324349"/>
+          </a:xfrm>
+          <a:prstGeom prst="curvedConnector3">
+            <a:avLst/>
+          </a:prstGeom>
+          <a:ln>
+            <a:solidFill>
+              <a:schemeClr val="tx1"/>
+            </a:solidFill>
+            <a:tailEnd type="triangle"/>
+          </a:ln>
+        </p:spPr>
+        <p:style>
+          <a:lnRef idx="1">
+            <a:schemeClr val="accent1"/>
+          </a:lnRef>
+          <a:fillRef idx="0">
+            <a:schemeClr val="accent1"/>
+          </a:fillRef>
+          <a:effectRef idx="0">
+            <a:schemeClr val="accent1"/>
+          </a:effectRef>
+          <a:fontRef idx="minor">
+            <a:schemeClr val="tx1"/>
+          </a:fontRef>
+        </p:style>
+      </p:cxnSp>
+      <p:cxnSp>
+        <p:nvCxnSpPr>
+          <p:cNvPr id="30" name="直接箭头连接符 29"/>
+          <p:cNvCxnSpPr/>
+          <p:nvPr/>
+        </p:nvCxnSpPr>
+        <p:spPr>
+          <a:xfrm flipH="1">
+            <a:off x="4950484" y="2067241"/>
+            <a:ext cx="880973" cy="2090691"/>
+          </a:xfrm>
+          <a:prstGeom prst="straightConnector1">
+            <a:avLst/>
+          </a:prstGeom>
+          <a:ln>
+            <a:tailEnd type="triangle"/>
+          </a:ln>
+        </p:spPr>
+        <p:style>
+          <a:lnRef idx="1">
+            <a:schemeClr val="accent1"/>
+          </a:lnRef>
+          <a:fillRef idx="0">
+            <a:schemeClr val="accent1"/>
+          </a:fillRef>
+          <a:effectRef idx="0">
+            <a:schemeClr val="accent1"/>
+          </a:effectRef>
+          <a:fontRef idx="minor">
+            <a:schemeClr val="tx1"/>
+          </a:fontRef>
+        </p:style>
+      </p:cxnSp>
+      <p:cxnSp>
+        <p:nvCxnSpPr>
+          <p:cNvPr id="32" name="直接箭头连接符 31"/>
+          <p:cNvCxnSpPr/>
+          <p:nvPr/>
+        </p:nvCxnSpPr>
+        <p:spPr>
+          <a:xfrm flipH="1" flipV="1">
+            <a:off x="3962287" y="1995475"/>
+            <a:ext cx="939572" cy="2136889"/>
+          </a:xfrm>
+          <a:prstGeom prst="straightConnector1">
+            <a:avLst/>
+          </a:prstGeom>
+          <a:ln>
+            <a:tailEnd type="triangle"/>
+          </a:ln>
+        </p:spPr>
+        <p:style>
+          <a:lnRef idx="1">
+            <a:schemeClr val="accent1"/>
+          </a:lnRef>
+          <a:fillRef idx="0">
+            <a:schemeClr val="accent1"/>
+          </a:fillRef>
+          <a:effectRef idx="0">
+            <a:schemeClr val="accent1"/>
+          </a:effectRef>
+          <a:fontRef idx="minor">
+            <a:schemeClr val="tx1"/>
+          </a:fontRef>
+        </p:style>
+      </p:cxnSp>
+      <p:cxnSp>
+        <p:nvCxnSpPr>
+          <p:cNvPr id="40" name="直接箭头连接符 39"/>
+          <p:cNvCxnSpPr>
+            <a:stCxn id="18" idx="1"/>
+          </p:cNvCxnSpPr>
+          <p:nvPr/>
+        </p:nvCxnSpPr>
+        <p:spPr>
+          <a:xfrm flipH="1" flipV="1">
+            <a:off x="5368451" y="1824737"/>
+            <a:ext cx="1113392" cy="2328152"/>
+          </a:xfrm>
+          <a:prstGeom prst="straightConnector1">
+            <a:avLst/>
+          </a:prstGeom>
+          <a:ln>
+            <a:tailEnd type="triangle"/>
+          </a:ln>
+        </p:spPr>
+        <p:style>
+          <a:lnRef idx="1">
+            <a:schemeClr val="accent1"/>
+          </a:lnRef>
+          <a:fillRef idx="0">
+            <a:schemeClr val="accent1"/>
+          </a:fillRef>
+          <a:effectRef idx="0">
+            <a:schemeClr val="accent1"/>
+          </a:effectRef>
+          <a:fontRef idx="minor">
+            <a:schemeClr val="tx1"/>
+          </a:fontRef>
+        </p:style>
+      </p:cxnSp>
+    </p:spTree>
+    <p:extLst>
+      <p:ext uri="{BB962C8B-B14F-4D97-AF65-F5344CB8AC3E}">
+        <p14:creationId xmlns:p14="http://schemas.microsoft.com/office/powerpoint/2010/main" val="1883632543"/>
       </p:ext>
     </p:extLst>
   </p:cSld>
